--- a/Slides/How to think in code.pptx
+++ b/Slides/How to think in code.pptx
@@ -101,7 +101,7 @@
     <p:sldId id="353" r:id="rId92"/>
     <p:sldId id="397" r:id="rId93"/>
     <p:sldId id="318" r:id="rId94"/>
-    <p:sldId id="404" r:id="rId95"/>
+    <p:sldId id="430" r:id="rId95"/>
   </p:sldIdLst>
   <p:sldSz cx="9144000" cy="6858000" type="screen4x3"/>
   <p:notesSz cx="6858000" cy="9144000"/>
@@ -32082,10 +32082,10 @@
       </p:sp>
       <p:sp>
         <p:nvSpPr>
-          <p:cNvPr id="15" name="AutoShape 4">
-            <a:extLst>
-              <a:ext uri="{FF2B5EF4-FFF2-40B4-BE49-F238E27FC236}">
-                <a16:creationId xmlns:a16="http://schemas.microsoft.com/office/drawing/2014/main" id="{0CED6462-EB88-ADB5-5A3C-D69D014CD846}"/>
+          <p:cNvPr id="17" name="AutoShape 8">
+            <a:extLst>
+              <a:ext uri="{FF2B5EF4-FFF2-40B4-BE49-F238E27FC236}">
+                <a16:creationId xmlns:a16="http://schemas.microsoft.com/office/drawing/2014/main" id="{300BE3E0-083D-B6C9-FCBC-A5354E488571}"/>
               </a:ext>
             </a:extLst>
           </p:cNvPr>
@@ -32096,8 +32096,8 @@
         </p:nvSpPr>
         <p:spPr bwMode="auto">
           <a:xfrm>
-            <a:off x="4572000" y="3429000"/>
-            <a:ext cx="304800" cy="304800"/>
+            <a:off x="2674700" y="1531700"/>
+            <a:ext cx="2354500" cy="2354500"/>
           </a:xfrm>
           <a:prstGeom prst="rect">
             <a:avLst/>
@@ -32127,10 +32127,10 @@
       </p:sp>
       <p:sp>
         <p:nvSpPr>
-          <p:cNvPr id="17" name="AutoShape 8">
-            <a:extLst>
-              <a:ext uri="{FF2B5EF4-FFF2-40B4-BE49-F238E27FC236}">
-                <a16:creationId xmlns:a16="http://schemas.microsoft.com/office/drawing/2014/main" id="{300BE3E0-083D-B6C9-FCBC-A5354E488571}"/>
+          <p:cNvPr id="5" name="AutoShape 2">
+            <a:extLst>
+              <a:ext uri="{FF2B5EF4-FFF2-40B4-BE49-F238E27FC236}">
+                <a16:creationId xmlns:a16="http://schemas.microsoft.com/office/drawing/2014/main" id="{4C69DE62-6465-71F4-1F1B-EAAC49E6F84A}"/>
               </a:ext>
             </a:extLst>
           </p:cNvPr>
@@ -32141,8 +32141,8 @@
         </p:nvSpPr>
         <p:spPr bwMode="auto">
           <a:xfrm>
-            <a:off x="2674700" y="1531700"/>
-            <a:ext cx="2354500" cy="2354500"/>
+            <a:off x="4724400" y="3581400"/>
+            <a:ext cx="304800" cy="304800"/>
           </a:xfrm>
           <a:prstGeom prst="rect">
             <a:avLst/>
@@ -32172,10 +32172,10 @@
       </p:sp>
       <p:pic>
         <p:nvPicPr>
-          <p:cNvPr id="8" name="Picture 7" descr="A qr code with a few squares&#10;&#10;Description automatically generated">
-            <a:extLst>
-              <a:ext uri="{FF2B5EF4-FFF2-40B4-BE49-F238E27FC236}">
-                <a16:creationId xmlns:a16="http://schemas.microsoft.com/office/drawing/2014/main" id="{FF03E370-138F-990E-FA5B-12BF81CFD592}"/>
+          <p:cNvPr id="16" name="Picture 15" descr="A qr code with black squares&#10;&#10;AI-generated content may be incorrect.">
+            <a:extLst>
+              <a:ext uri="{FF2B5EF4-FFF2-40B4-BE49-F238E27FC236}">
+                <a16:creationId xmlns:a16="http://schemas.microsoft.com/office/drawing/2014/main" id="{A870B57E-C407-181B-33D8-77B78E7CD877}"/>
               </a:ext>
             </a:extLst>
           </p:cNvPr>
@@ -32192,8 +32192,8 @@
         </p:blipFill>
         <p:spPr>
           <a:xfrm>
-            <a:off x="362500" y="2488419"/>
-            <a:ext cx="2644194" cy="2644194"/>
+            <a:off x="540553" y="2698277"/>
+            <a:ext cx="2354500" cy="2354500"/>
           </a:xfrm>
           <a:prstGeom prst="rect">
             <a:avLst/>
@@ -32221,7 +32221,7 @@
         <p:cNvPr id="1" name="">
           <a:extLst>
             <a:ext uri="{FF2B5EF4-FFF2-40B4-BE49-F238E27FC236}">
-              <a16:creationId xmlns:a16="http://schemas.microsoft.com/office/drawing/2014/main" id="{89270B2D-4917-62E8-7374-26BC628AA84D}"/>
+              <a16:creationId xmlns:a16="http://schemas.microsoft.com/office/drawing/2014/main" id="{B5C175AD-66A9-4AEE-A18A-9B9D04A09529}"/>
             </a:ext>
           </a:extLst>
         </p:cNvPr>
@@ -32241,7 +32241,7 @@
           <p:cNvPr id="2" name="Title 1">
             <a:extLst>
               <a:ext uri="{FF2B5EF4-FFF2-40B4-BE49-F238E27FC236}">
-                <a16:creationId xmlns:a16="http://schemas.microsoft.com/office/drawing/2014/main" id="{D23C7157-6857-D5A0-2619-CADE271F0C72}"/>
+                <a16:creationId xmlns:a16="http://schemas.microsoft.com/office/drawing/2014/main" id="{0FFE2C95-8E57-215A-147B-D1A18E86E5EC}"/>
               </a:ext>
             </a:extLst>
           </p:cNvPr>
@@ -32272,7 +32272,7 @@
           <p:cNvPr id="4" name="TextBox 3">
             <a:extLst>
               <a:ext uri="{FF2B5EF4-FFF2-40B4-BE49-F238E27FC236}">
-                <a16:creationId xmlns:a16="http://schemas.microsoft.com/office/drawing/2014/main" id="{AEA180AD-0273-3041-0049-B1D96E066852}"/>
+                <a16:creationId xmlns:a16="http://schemas.microsoft.com/office/drawing/2014/main" id="{C1CE9ED8-33EB-F949-38BC-F76A33E21FD8}"/>
               </a:ext>
             </a:extLst>
           </p:cNvPr>
@@ -32310,7 +32310,7 @@
           <p:cNvPr id="6" name="TextBox 5">
             <a:extLst>
               <a:ext uri="{FF2B5EF4-FFF2-40B4-BE49-F238E27FC236}">
-                <a16:creationId xmlns:a16="http://schemas.microsoft.com/office/drawing/2014/main" id="{08C7E694-7CB3-8809-16FE-3561AFD60052}"/>
+                <a16:creationId xmlns:a16="http://schemas.microsoft.com/office/drawing/2014/main" id="{A07B3D80-5D0E-0848-A640-0BC43FBA9B79}"/>
               </a:ext>
             </a:extLst>
           </p:cNvPr>
@@ -32348,7 +32348,7 @@
           <p:cNvPr id="7" name="TextBox 6">
             <a:extLst>
               <a:ext uri="{FF2B5EF4-FFF2-40B4-BE49-F238E27FC236}">
-                <a16:creationId xmlns:a16="http://schemas.microsoft.com/office/drawing/2014/main" id="{EDB1313C-3443-A326-9FFF-07C2F58F53E1}"/>
+                <a16:creationId xmlns:a16="http://schemas.microsoft.com/office/drawing/2014/main" id="{FA3ACFFA-9EAA-C92D-F463-83B1EE35FF57}"/>
               </a:ext>
             </a:extLst>
           </p:cNvPr>
@@ -32395,7 +32395,7 @@
           <p:cNvPr id="10" name="Oval 9">
             <a:extLst>
               <a:ext uri="{FF2B5EF4-FFF2-40B4-BE49-F238E27FC236}">
-                <a16:creationId xmlns:a16="http://schemas.microsoft.com/office/drawing/2014/main" id="{E508AF2E-941F-74FB-11AE-B668F2B207D7}"/>
+                <a16:creationId xmlns:a16="http://schemas.microsoft.com/office/drawing/2014/main" id="{A61DB76E-2CFA-B516-C4D9-68C2F552D7DC}"/>
               </a:ext>
             </a:extLst>
           </p:cNvPr>
@@ -32456,7 +32456,7 @@
           <p:cNvPr id="11" name="Oval 10">
             <a:extLst>
               <a:ext uri="{FF2B5EF4-FFF2-40B4-BE49-F238E27FC236}">
-                <a16:creationId xmlns:a16="http://schemas.microsoft.com/office/drawing/2014/main" id="{A2C81082-A6D2-5C78-9F07-7B2244E0E88A}"/>
+                <a16:creationId xmlns:a16="http://schemas.microsoft.com/office/drawing/2014/main" id="{1B17012D-D277-BE7D-0531-BBD802BD9A59}"/>
               </a:ext>
             </a:extLst>
           </p:cNvPr>
@@ -32517,7 +32517,7 @@
           <p:cNvPr id="12" name="Oval 11">
             <a:extLst>
               <a:ext uri="{FF2B5EF4-FFF2-40B4-BE49-F238E27FC236}">
-                <a16:creationId xmlns:a16="http://schemas.microsoft.com/office/drawing/2014/main" id="{05774AA3-42EF-4F3B-A23F-8F9050A130D2}"/>
+                <a16:creationId xmlns:a16="http://schemas.microsoft.com/office/drawing/2014/main" id="{E59F7BBD-968C-BAD4-45F6-F90D16BE27C5}"/>
               </a:ext>
             </a:extLst>
           </p:cNvPr>
@@ -32576,7 +32576,7 @@
           <p:cNvPr id="14" name="Graphic 13" descr="Clipboard with solid fill">
             <a:extLst>
               <a:ext uri="{FF2B5EF4-FFF2-40B4-BE49-F238E27FC236}">
-                <a16:creationId xmlns:a16="http://schemas.microsoft.com/office/drawing/2014/main" id="{D4DC5B16-EB97-05DF-B54A-7565FF7CE3DC}"/>
+                <a16:creationId xmlns:a16="http://schemas.microsoft.com/office/drawing/2014/main" id="{1FB3AA49-BB3A-29EA-6869-479E02BD2504}"/>
               </a:ext>
             </a:extLst>
           </p:cNvPr>
@@ -32612,7 +32612,7 @@
           <p:cNvPr id="1026" name="Picture 2" descr="Co-curricular record approval logo">
             <a:extLst>
               <a:ext uri="{FF2B5EF4-FFF2-40B4-BE49-F238E27FC236}">
-                <a16:creationId xmlns:a16="http://schemas.microsoft.com/office/drawing/2014/main" id="{D70DDC32-5DA6-1C7D-3759-6A680505FF4A}"/>
+                <a16:creationId xmlns:a16="http://schemas.microsoft.com/office/drawing/2014/main" id="{29698A2A-AAAE-CFCE-C277-9F5476CD896B}"/>
               </a:ext>
             </a:extLst>
           </p:cNvPr>
@@ -32659,7 +32659,7 @@
           <p:cNvPr id="3" name="Picture 2" descr="A close up of a sign&#10;&#10;Description automatically generated">
             <a:extLst>
               <a:ext uri="{FF2B5EF4-FFF2-40B4-BE49-F238E27FC236}">
-                <a16:creationId xmlns:a16="http://schemas.microsoft.com/office/drawing/2014/main" id="{79D650DB-7E66-D911-6910-72500814B0A5}"/>
+                <a16:creationId xmlns:a16="http://schemas.microsoft.com/office/drawing/2014/main" id="{CD702FA1-1A6F-E7BB-C271-DB0AF67E8362}"/>
               </a:ext>
             </a:extLst>
           </p:cNvPr>
@@ -32689,7 +32689,7 @@
           <p:cNvPr id="13" name="AutoShape 2">
             <a:extLst>
               <a:ext uri="{FF2B5EF4-FFF2-40B4-BE49-F238E27FC236}">
-                <a16:creationId xmlns:a16="http://schemas.microsoft.com/office/drawing/2014/main" id="{DDDD54F8-1DCF-7C9B-F9FE-95B0DDB1D3B5}"/>
+                <a16:creationId xmlns:a16="http://schemas.microsoft.com/office/drawing/2014/main" id="{41A04AA9-6C84-E0F4-80DE-6968A8D1E861}"/>
               </a:ext>
             </a:extLst>
           </p:cNvPr>
@@ -32731,10 +32731,10 @@
       </p:sp>
       <p:sp>
         <p:nvSpPr>
-          <p:cNvPr id="15" name="AutoShape 4">
-            <a:extLst>
-              <a:ext uri="{FF2B5EF4-FFF2-40B4-BE49-F238E27FC236}">
-                <a16:creationId xmlns:a16="http://schemas.microsoft.com/office/drawing/2014/main" id="{60A3BEC4-33F3-3707-96C9-43423CBED790}"/>
+          <p:cNvPr id="17" name="AutoShape 8">
+            <a:extLst>
+              <a:ext uri="{FF2B5EF4-FFF2-40B4-BE49-F238E27FC236}">
+                <a16:creationId xmlns:a16="http://schemas.microsoft.com/office/drawing/2014/main" id="{2AB5C936-17AF-67AB-495D-DD69B668C43C}"/>
               </a:ext>
             </a:extLst>
           </p:cNvPr>
@@ -32745,8 +32745,8 @@
         </p:nvSpPr>
         <p:spPr bwMode="auto">
           <a:xfrm>
-            <a:off x="4572000" y="3429000"/>
-            <a:ext cx="304800" cy="304800"/>
+            <a:off x="2674700" y="1531700"/>
+            <a:ext cx="2354500" cy="2354500"/>
           </a:xfrm>
           <a:prstGeom prst="rect">
             <a:avLst/>
@@ -32776,10 +32776,10 @@
       </p:sp>
       <p:sp>
         <p:nvSpPr>
-          <p:cNvPr id="17" name="AutoShape 8">
-            <a:extLst>
-              <a:ext uri="{FF2B5EF4-FFF2-40B4-BE49-F238E27FC236}">
-                <a16:creationId xmlns:a16="http://schemas.microsoft.com/office/drawing/2014/main" id="{BEF8EA01-9E45-6E4C-F1E5-438ABD76CE9A}"/>
+          <p:cNvPr id="5" name="AutoShape 2">
+            <a:extLst>
+              <a:ext uri="{FF2B5EF4-FFF2-40B4-BE49-F238E27FC236}">
+                <a16:creationId xmlns:a16="http://schemas.microsoft.com/office/drawing/2014/main" id="{96BD0CC7-D2CE-B531-E6BD-9D815D1C907F}"/>
               </a:ext>
             </a:extLst>
           </p:cNvPr>
@@ -32790,8 +32790,8 @@
         </p:nvSpPr>
         <p:spPr bwMode="auto">
           <a:xfrm>
-            <a:off x="2674700" y="1531700"/>
-            <a:ext cx="2354500" cy="2354500"/>
+            <a:off x="4724400" y="3581400"/>
+            <a:ext cx="304800" cy="304800"/>
           </a:xfrm>
           <a:prstGeom prst="rect">
             <a:avLst/>
@@ -32821,10 +32821,10 @@
       </p:sp>
       <p:pic>
         <p:nvPicPr>
-          <p:cNvPr id="8" name="Picture 7" descr="A qr code with a few squares&#10;&#10;Description automatically generated">
-            <a:extLst>
-              <a:ext uri="{FF2B5EF4-FFF2-40B4-BE49-F238E27FC236}">
-                <a16:creationId xmlns:a16="http://schemas.microsoft.com/office/drawing/2014/main" id="{EC63C4B1-8B7E-E072-2630-F5D9BA2FB8EC}"/>
+          <p:cNvPr id="16" name="Picture 15" descr="A qr code with black squares&#10;&#10;AI-generated content may be incorrect.">
+            <a:extLst>
+              <a:ext uri="{FF2B5EF4-FFF2-40B4-BE49-F238E27FC236}">
+                <a16:creationId xmlns:a16="http://schemas.microsoft.com/office/drawing/2014/main" id="{627642F9-4A53-82E3-60E7-9CF0A8DCB4D3}"/>
               </a:ext>
             </a:extLst>
           </p:cNvPr>
@@ -32841,8 +32841,8 @@
         </p:blipFill>
         <p:spPr>
           <a:xfrm>
-            <a:off x="1361158" y="0"/>
-            <a:ext cx="6726484" cy="6726484"/>
+            <a:off x="1143000" y="0"/>
+            <a:ext cx="6858000" cy="6858000"/>
           </a:xfrm>
           <a:prstGeom prst="rect">
             <a:avLst/>
@@ -32852,7 +32852,7 @@
     </p:spTree>
     <p:extLst>
       <p:ext uri="{BB962C8B-B14F-4D97-AF65-F5344CB8AC3E}">
-        <p14:creationId xmlns:p14="http://schemas.microsoft.com/office/powerpoint/2010/main" val="693737357"/>
+        <p14:creationId xmlns:p14="http://schemas.microsoft.com/office/powerpoint/2010/main" val="2121423799"/>
       </p:ext>
     </p:extLst>
   </p:cSld>
